--- a/Mein Beitrag zum ThirstyGo​.pptx
+++ b/Mein Beitrag zum ThirstyGo​.pptx
@@ -108,6 +108,11 @@
       </a:defRPr>
     </a:lvl9pPr>
   </p:defaultTextStyle>
+  <p:extLst>
+    <p:ext uri="{EFAFB233-063F-42B5-8137-9DF3F51BA10A}">
+      <p15:sldGuideLst xmlns:p15="http://schemas.microsoft.com/office/powerpoint/2012/main"/>
+    </p:ext>
+  </p:extLst>
 </p:presentation>
 </file>
 
@@ -3754,7 +3759,7 @@
         <p:spPr>
           <a:xfrm>
             <a:off x="1968119" y="2404805"/>
-            <a:ext cx="6096000" cy="5078313"/>
+            <a:ext cx="7429378" cy="4524315"/>
           </a:xfrm>
           <a:prstGeom prst="rect">
             <a:avLst/>
@@ -3807,24 +3812,7 @@
             </a:pPr>
             <a:r>
               <a:rPr lang="de-DE" dirty="0"/>
-              <a:t>Navigierung </a:t>
-            </a:r>
-          </a:p>
-          <a:p>
-            <a:pPr marL="285750" indent="-285750">
-              <a:buFont typeface="Wingdings" panose="05000000000000000000" pitchFamily="2" charset="2"/>
-              <a:buChar char="v"/>
-            </a:pPr>
-            <a:endParaRPr lang="de-DE" dirty="0"/>
-          </a:p>
-          <a:p>
-            <a:pPr marL="285750" indent="-285750">
-              <a:buFont typeface="Wingdings" panose="05000000000000000000" pitchFamily="2" charset="2"/>
-              <a:buChar char="v"/>
-            </a:pPr>
-            <a:r>
-              <a:rPr lang="de-DE" dirty="0"/>
-              <a:t>Übertragung von Eigenschaften eines Objekts</a:t>
+              <a:t>Navigierung   -&gt;  Übertragung von Eigenschaften eines Objekts</a:t>
             </a:r>
           </a:p>
           <a:p>
@@ -4101,8 +4089,8 @@
         </p:nvSpPr>
         <p:spPr>
           <a:xfrm>
-            <a:off x="1742288" y="1261805"/>
-            <a:ext cx="8595511" cy="6263253"/>
+            <a:off x="1742289" y="1216537"/>
+            <a:ext cx="8595511" cy="8494633"/>
           </a:xfrm>
           <a:prstGeom prst="rect">
             <a:avLst/>
@@ -4120,12 +4108,8 @@
               <a:buChar char="ü"/>
             </a:pPr>
             <a:r>
-              <a:rPr lang="de-DE" sz="2400" dirty="0"/>
-              <a:t> </a:t>
-            </a:r>
-            <a:r>
               <a:rPr lang="de-DE" sz="2900" dirty="0"/>
-              <a:t>Interface</a:t>
+              <a:t> implementiert Interface</a:t>
             </a:r>
           </a:p>
           <a:p>
@@ -4167,6 +4151,30 @@
             <a:endParaRPr lang="de-DE" sz="2900" dirty="0"/>
           </a:p>
           <a:p>
+            <a:pPr marL="457200" indent="-457200">
+              <a:buFont typeface="Wingdings" panose="05000000000000000000" pitchFamily="2" charset="2"/>
+              <a:buChar char="ü"/>
+            </a:pPr>
+            <a:r>
+              <a:rPr lang="de-DE" sz="2900" dirty="0"/>
+              <a:t>Beispiele</a:t>
+            </a:r>
+          </a:p>
+          <a:p>
+            <a:pPr marL="285750" indent="-285750">
+              <a:buFont typeface="Wingdings" panose="05000000000000000000" pitchFamily="2" charset="2"/>
+              <a:buChar char="v"/>
+            </a:pPr>
+            <a:endParaRPr lang="de-DE" sz="2900" dirty="0"/>
+          </a:p>
+          <a:p>
+            <a:pPr marL="285750" indent="-285750">
+              <a:buFont typeface="Wingdings" panose="05000000000000000000" pitchFamily="2" charset="2"/>
+              <a:buChar char="v"/>
+            </a:pPr>
+            <a:endParaRPr lang="de-DE" sz="2900" dirty="0"/>
+          </a:p>
+          <a:p>
             <a:pPr marL="285750" indent="-285750">
               <a:buFont typeface="Wingdings" panose="05000000000000000000" pitchFamily="2" charset="2"/>
               <a:buChar char="ü"/>
@@ -4175,6 +4183,20 @@
               <a:rPr lang="de-DE" sz="2900" dirty="0"/>
               <a:t> Prozes :</a:t>
             </a:r>
+          </a:p>
+          <a:p>
+            <a:pPr marL="285750" indent="-285750">
+              <a:buFont typeface="Wingdings" panose="05000000000000000000" pitchFamily="2" charset="2"/>
+              <a:buChar char="ü"/>
+            </a:pPr>
+            <a:endParaRPr lang="de-DE" sz="2900" dirty="0"/>
+          </a:p>
+          <a:p>
+            <a:pPr marL="285750" indent="-285750">
+              <a:buFont typeface="Wingdings" panose="05000000000000000000" pitchFamily="2" charset="2"/>
+              <a:buChar char="ü"/>
+            </a:pPr>
+            <a:endParaRPr lang="de-DE" sz="2900" dirty="0"/>
           </a:p>
           <a:p>
             <a:pPr marL="285750" indent="-285750">
@@ -4416,7 +4438,7 @@
         </p:nvSpPr>
         <p:spPr>
           <a:xfrm>
-            <a:off x="4381500" y="2755900"/>
+            <a:off x="4988083" y="2420922"/>
             <a:ext cx="7632700" cy="3754874"/>
           </a:xfrm>
           <a:prstGeom prst="rect">
